--- a/Twitter Sentiment Analysis on Movie - (Anikulapo).pptx
+++ b/Twitter Sentiment Analysis on Movie - (Anikulapo).pptx
@@ -9,9 +9,9 @@
     <p:sldId id="263" r:id="rId3"/>
     <p:sldId id="264" r:id="rId4"/>
     <p:sldId id="265" r:id="rId5"/>
-    <p:sldId id="269" r:id="rId6"/>
-    <p:sldId id="268" r:id="rId7"/>
-    <p:sldId id="267" r:id="rId8"/>
+    <p:sldId id="272" r:id="rId6"/>
+    <p:sldId id="271" r:id="rId7"/>
+    <p:sldId id="273" r:id="rId8"/>
   </p:sldIdLst>
   <p:sldSz cx="12649200" cy="7315200"/>
   <p:notesSz cx="12649200" cy="7315200"/>
@@ -268,7 +268,7 @@
           <a:p>
             <a:fld id="{1D8BD707-D9CF-40AE-B4C6-C98DA3205C09}" type="datetimeFigureOut">
               <a:rPr lang="en-US"/>
-              <a:t>10/20/2022</a:t>
+              <a:t>10/24/2022</a:t>
             </a:fld>
             <a:endParaRPr lang="en-US"/>
           </a:p>
@@ -443,7 +443,7 @@
           <a:p>
             <a:fld id="{1D8BD707-D9CF-40AE-B4C6-C98DA3205C09}" type="datetimeFigureOut">
               <a:rPr lang="en-US"/>
-              <a:t>10/20/2022</a:t>
+              <a:t>10/24/2022</a:t>
             </a:fld>
             <a:endParaRPr lang="en-US"/>
           </a:p>
@@ -657,7 +657,7 @@
           <a:p>
             <a:fld id="{1D8BD707-D9CF-40AE-B4C6-C98DA3205C09}" type="datetimeFigureOut">
               <a:rPr lang="en-US"/>
-              <a:t>10/20/2022</a:t>
+              <a:t>10/24/2022</a:t>
             </a:fld>
             <a:endParaRPr lang="en-US"/>
           </a:p>
@@ -805,7 +805,7 @@
           <a:p>
             <a:fld id="{1D8BD707-D9CF-40AE-B4C6-C98DA3205C09}" type="datetimeFigureOut">
               <a:rPr lang="en-US"/>
-              <a:t>10/20/2022</a:t>
+              <a:t>10/24/2022</a:t>
             </a:fld>
             <a:endParaRPr lang="en-US"/>
           </a:p>
@@ -924,7 +924,7 @@
           <a:p>
             <a:fld id="{1D8BD707-D9CF-40AE-B4C6-C98DA3205C09}" type="datetimeFigureOut">
               <a:rPr lang="en-US"/>
-              <a:t>10/20/2022</a:t>
+              <a:t>10/24/2022</a:t>
             </a:fld>
             <a:endParaRPr lang="en-US"/>
           </a:p>
@@ -1369,7 +1369,7 @@
           <a:p>
             <a:fld id="{1D8BD707-D9CF-40AE-B4C6-C98DA3205C09}" type="datetimeFigureOut">
               <a:rPr lang="en-US"/>
-              <a:t>10/20/2022</a:t>
+              <a:t>10/24/2022</a:t>
             </a:fld>
             <a:endParaRPr lang="en-US"/>
           </a:p>
@@ -2258,7 +2258,7 @@
           <p:cNvPr id="4" name="Picture 3">
             <a:extLst>
               <a:ext uri="{FF2B5EF4-FFF2-40B4-BE49-F238E27FC236}">
-                <a16:creationId xmlns:a16="http://schemas.microsoft.com/office/drawing/2014/main" id="{1503B40E-39BA-4E5D-AD5C-C0B046020FAF}"/>
+                <a16:creationId xmlns:a16="http://schemas.microsoft.com/office/drawing/2014/main" id="{64BD9BB5-AE5D-5BE7-16E9-9DB733623DB5}"/>
               </a:ext>
             </a:extLst>
           </p:cNvPr>
@@ -2276,7 +2276,7 @@
         <p:spPr>
           <a:xfrm>
             <a:off x="0" y="0"/>
-            <a:ext cx="12649200" cy="7315200"/>
+            <a:ext cx="12649200" cy="7467599"/>
           </a:xfrm>
           <a:prstGeom prst="rect">
             <a:avLst/>
@@ -2286,7 +2286,7 @@
     </p:spTree>
     <p:extLst>
       <p:ext uri="{BB962C8B-B14F-4D97-AF65-F5344CB8AC3E}">
-        <p14:creationId xmlns:p14="http://schemas.microsoft.com/office/powerpoint/2010/main" val="3815552312"/>
+        <p14:creationId xmlns:p14="http://schemas.microsoft.com/office/powerpoint/2010/main" val="1725482162"/>
       </p:ext>
     </p:extLst>
   </p:cSld>
@@ -2404,7 +2404,7 @@
           <p:cNvPr id="4" name="Picture 3">
             <a:extLst>
               <a:ext uri="{FF2B5EF4-FFF2-40B4-BE49-F238E27FC236}">
-                <a16:creationId xmlns:a16="http://schemas.microsoft.com/office/drawing/2014/main" id="{A2078BFC-6503-1C17-9960-51FFCD00EC1E}"/>
+                <a16:creationId xmlns:a16="http://schemas.microsoft.com/office/drawing/2014/main" id="{89F735CE-E76E-D1EF-7DD6-0899489F6D71}"/>
               </a:ext>
             </a:extLst>
           </p:cNvPr>
@@ -2422,7 +2422,7 @@
         <p:spPr>
           <a:xfrm>
             <a:off x="0" y="0"/>
-            <a:ext cx="12649200" cy="7315200"/>
+            <a:ext cx="12649199" cy="7315199"/>
           </a:xfrm>
           <a:prstGeom prst="rect">
             <a:avLst/>
@@ -2432,7 +2432,7 @@
     </p:spTree>
     <p:extLst>
       <p:ext uri="{BB962C8B-B14F-4D97-AF65-F5344CB8AC3E}">
-        <p14:creationId xmlns:p14="http://schemas.microsoft.com/office/powerpoint/2010/main" val="1084804628"/>
+        <p14:creationId xmlns:p14="http://schemas.microsoft.com/office/powerpoint/2010/main" val="2935077744"/>
       </p:ext>
     </p:extLst>
   </p:cSld>
@@ -2550,7 +2550,7 @@
           <p:cNvPr id="4" name="Picture 3">
             <a:extLst>
               <a:ext uri="{FF2B5EF4-FFF2-40B4-BE49-F238E27FC236}">
-                <a16:creationId xmlns:a16="http://schemas.microsoft.com/office/drawing/2014/main" id="{25B7308F-62BC-327B-4F7F-A11AB92F2E8A}"/>
+                <a16:creationId xmlns:a16="http://schemas.microsoft.com/office/drawing/2014/main" id="{7A4A98D7-9B7B-2797-8F2C-BAB48B03ED33}"/>
               </a:ext>
             </a:extLst>
           </p:cNvPr>
@@ -2568,7 +2568,7 @@
         <p:spPr>
           <a:xfrm>
             <a:off x="0" y="0"/>
-            <a:ext cx="12649200" cy="7315200"/>
+            <a:ext cx="12649200" cy="7315199"/>
           </a:xfrm>
           <a:prstGeom prst="rect">
             <a:avLst/>
@@ -2578,7 +2578,7 @@
     </p:spTree>
     <p:extLst>
       <p:ext uri="{BB962C8B-B14F-4D97-AF65-F5344CB8AC3E}">
-        <p14:creationId xmlns:p14="http://schemas.microsoft.com/office/powerpoint/2010/main" val="976740422"/>
+        <p14:creationId xmlns:p14="http://schemas.microsoft.com/office/powerpoint/2010/main" val="2634482759"/>
       </p:ext>
     </p:extLst>
   </p:cSld>
